--- a/课程PPT/25.事件及事件流.pptx
+++ b/课程PPT/25.事件及事件流.pptx
@@ -5135,16 +5135,7 @@
                 </a:solidFill>
                 <a:sym typeface="+mn-ea"/>
               </a:rPr>
-              <a:t>级</a:t>
-            </a:r>
-            <a:r>
-              <a:rPr lang="zh-CN" altLang="en-US" sz="3200" dirty="0">
-                <a:solidFill>
-                  <a:schemeClr val="tx1"/>
-                </a:solidFill>
-                <a:sym typeface="+mn-ea"/>
-              </a:rPr>
-              <a:t>事件响应（在不同阶段，对事件的响应）</a:t>
+              <a:t>级事件响应（在不同阶段，对事件的响应）</a:t>
             </a:r>
             <a:br>
               <a:rPr lang="zh-CN" altLang="en-US" sz="3200" dirty="0">
@@ -5955,6 +5946,96 @@
           </a:prstGeom>
         </p:spPr>
       </p:pic>
+      <p:sp>
+        <p:nvSpPr>
+          <p:cNvPr id="5" name="文本框 4"/>
+          <p:cNvSpPr txBox="1"/>
+          <p:nvPr/>
+        </p:nvSpPr>
+        <p:spPr>
+          <a:xfrm>
+            <a:off x="5702300" y="4627245"/>
+            <a:ext cx="5033010" cy="398780"/>
+          </a:xfrm>
+          <a:prstGeom prst="rect">
+            <a:avLst/>
+          </a:prstGeom>
+          <a:noFill/>
+        </p:spPr>
+        <p:txBody>
+          <a:bodyPr wrap="square" rtlCol="0">
+            <a:spAutoFit/>
+          </a:bodyPr>
+          <a:p>
+            <a:r>
+              <a:rPr lang="en-US" altLang="zh-CN" sz="2000">
+                <a:solidFill>
+                  <a:schemeClr val="tx1"/>
+                </a:solidFill>
+              </a:rPr>
+              <a:t>stopPropagation </a:t>
+            </a:r>
+            <a:r>
+              <a:rPr lang="zh-CN" altLang="en-US" sz="2000">
+                <a:solidFill>
+                  <a:schemeClr val="tx1"/>
+                </a:solidFill>
+              </a:rPr>
+              <a:t>阻止事件冒泡</a:t>
+            </a:r>
+            <a:endParaRPr lang="zh-CN" altLang="en-US" sz="2000">
+              <a:solidFill>
+                <a:schemeClr val="tx1"/>
+              </a:solidFill>
+            </a:endParaRPr>
+          </a:p>
+        </p:txBody>
+      </p:sp>
+      <p:sp>
+        <p:nvSpPr>
+          <p:cNvPr id="7" name="文本框 6"/>
+          <p:cNvSpPr txBox="1"/>
+          <p:nvPr/>
+        </p:nvSpPr>
+        <p:spPr>
+          <a:xfrm>
+            <a:off x="5542280" y="4969510"/>
+            <a:ext cx="5033010" cy="398780"/>
+          </a:xfrm>
+          <a:prstGeom prst="rect">
+            <a:avLst/>
+          </a:prstGeom>
+          <a:noFill/>
+        </p:spPr>
+        <p:txBody>
+          <a:bodyPr wrap="square" rtlCol="0">
+            <a:spAutoFit/>
+          </a:bodyPr>
+          <a:p>
+            <a:r>
+              <a:rPr lang="en-US" sz="2000">
+                <a:solidFill>
+                  <a:schemeClr val="tx1"/>
+                </a:solidFill>
+              </a:rPr>
+              <a:t>preventDefault </a:t>
+            </a:r>
+            <a:r>
+              <a:rPr lang="zh-CN" altLang="en-US" sz="2000">
+                <a:solidFill>
+                  <a:schemeClr val="tx1"/>
+                </a:solidFill>
+              </a:rPr>
+              <a:t>阻止默认响应</a:t>
+            </a:r>
+            <a:endParaRPr lang="zh-CN" altLang="en-US" sz="2000">
+              <a:solidFill>
+                <a:schemeClr val="tx1"/>
+              </a:solidFill>
+            </a:endParaRPr>
+          </a:p>
+        </p:txBody>
+      </p:sp>
     </p:spTree>
   </p:cSld>
   <p:clrMapOvr>
@@ -6188,7 +6269,7 @@
                                           </p:stCondLst>
                                         </p:cTn>
                                         <p:tgtEl>
-                                          <p:spTgt spid="6"/>
+                                          <p:spTgt spid="5"/>
                                         </p:tgtEl>
                                         <p:attrNameLst>
                                           <p:attrName>style.visibility</p:attrName>
@@ -6202,6 +6283,188 @@
                                       <p:cBhvr additive="base">
                                         <p:cTn id="19" dur="500" fill="hold"/>
                                         <p:tgtEl>
+                                          <p:spTgt spid="5"/>
+                                        </p:tgtEl>
+                                        <p:attrNameLst>
+                                          <p:attrName>ppt_x</p:attrName>
+                                        </p:attrNameLst>
+                                      </p:cBhvr>
+                                      <p:tavLst>
+                                        <p:tav tm="0">
+                                          <p:val>
+                                            <p:strVal val="#ppt_x"/>
+                                          </p:val>
+                                        </p:tav>
+                                        <p:tav tm="100000">
+                                          <p:val>
+                                            <p:strVal val="#ppt_x"/>
+                                          </p:val>
+                                        </p:tav>
+                                      </p:tavLst>
+                                    </p:anim>
+                                    <p:anim calcmode="lin" valueType="num">
+                                      <p:cBhvr additive="base">
+                                        <p:cTn id="20" dur="500" fill="hold"/>
+                                        <p:tgtEl>
+                                          <p:spTgt spid="5"/>
+                                        </p:tgtEl>
+                                        <p:attrNameLst>
+                                          <p:attrName>ppt_y</p:attrName>
+                                        </p:attrNameLst>
+                                      </p:cBhvr>
+                                      <p:tavLst>
+                                        <p:tav tm="0">
+                                          <p:val>
+                                            <p:strVal val="1+#ppt_h/2"/>
+                                          </p:val>
+                                        </p:tav>
+                                        <p:tav tm="100000">
+                                          <p:val>
+                                            <p:strVal val="#ppt_y"/>
+                                          </p:val>
+                                        </p:tav>
+                                      </p:tavLst>
+                                    </p:anim>
+                                  </p:childTnLst>
+                                </p:cTn>
+                              </p:par>
+                            </p:childTnLst>
+                          </p:cTn>
+                        </p:par>
+                      </p:childTnLst>
+                    </p:cTn>
+                  </p:par>
+                  <p:par>
+                    <p:cTn id="21" fill="hold">
+                      <p:stCondLst>
+                        <p:cond delay="indefinite"/>
+                      </p:stCondLst>
+                      <p:childTnLst>
+                        <p:par>
+                          <p:cTn id="22" fill="hold">
+                            <p:stCondLst>
+                              <p:cond delay="0"/>
+                            </p:stCondLst>
+                            <p:childTnLst>
+                              <p:par>
+                                <p:cTn id="23" presetID="2" presetClass="entr" presetSubtype="4" fill="hold" grpId="0" nodeType="clickEffect">
+                                  <p:stCondLst>
+                                    <p:cond delay="0"/>
+                                  </p:stCondLst>
+                                  <p:childTnLst>
+                                    <p:set>
+                                      <p:cBhvr>
+                                        <p:cTn id="24" dur="1" fill="hold">
+                                          <p:stCondLst>
+                                            <p:cond delay="0"/>
+                                          </p:stCondLst>
+                                        </p:cTn>
+                                        <p:tgtEl>
+                                          <p:spTgt spid="7"/>
+                                        </p:tgtEl>
+                                        <p:attrNameLst>
+                                          <p:attrName>style.visibility</p:attrName>
+                                        </p:attrNameLst>
+                                      </p:cBhvr>
+                                      <p:to>
+                                        <p:strVal val="visible"/>
+                                      </p:to>
+                                    </p:set>
+                                    <p:anim calcmode="lin" valueType="num">
+                                      <p:cBhvr additive="base">
+                                        <p:cTn id="25" dur="500" fill="hold"/>
+                                        <p:tgtEl>
+                                          <p:spTgt spid="7"/>
+                                        </p:tgtEl>
+                                        <p:attrNameLst>
+                                          <p:attrName>ppt_x</p:attrName>
+                                        </p:attrNameLst>
+                                      </p:cBhvr>
+                                      <p:tavLst>
+                                        <p:tav tm="0">
+                                          <p:val>
+                                            <p:strVal val="#ppt_x"/>
+                                          </p:val>
+                                        </p:tav>
+                                        <p:tav tm="100000">
+                                          <p:val>
+                                            <p:strVal val="#ppt_x"/>
+                                          </p:val>
+                                        </p:tav>
+                                      </p:tavLst>
+                                    </p:anim>
+                                    <p:anim calcmode="lin" valueType="num">
+                                      <p:cBhvr additive="base">
+                                        <p:cTn id="26" dur="500" fill="hold"/>
+                                        <p:tgtEl>
+                                          <p:spTgt spid="7"/>
+                                        </p:tgtEl>
+                                        <p:attrNameLst>
+                                          <p:attrName>ppt_y</p:attrName>
+                                        </p:attrNameLst>
+                                      </p:cBhvr>
+                                      <p:tavLst>
+                                        <p:tav tm="0">
+                                          <p:val>
+                                            <p:strVal val="1+#ppt_h/2"/>
+                                          </p:val>
+                                        </p:tav>
+                                        <p:tav tm="100000">
+                                          <p:val>
+                                            <p:strVal val="#ppt_y"/>
+                                          </p:val>
+                                        </p:tav>
+                                      </p:tavLst>
+                                    </p:anim>
+                                  </p:childTnLst>
+                                </p:cTn>
+                              </p:par>
+                            </p:childTnLst>
+                          </p:cTn>
+                        </p:par>
+                      </p:childTnLst>
+                    </p:cTn>
+                  </p:par>
+                  <p:par>
+                    <p:cTn id="27" fill="hold">
+                      <p:stCondLst>
+                        <p:cond delay="indefinite"/>
+                      </p:stCondLst>
+                      <p:childTnLst>
+                        <p:par>
+                          <p:cTn id="28" fill="hold">
+                            <p:stCondLst>
+                              <p:cond delay="0"/>
+                            </p:stCondLst>
+                            <p:childTnLst>
+                              <p:par>
+                                <p:cTn id="29" presetID="2" presetClass="entr" presetSubtype="4" fill="hold" grpId="0" nodeType="clickEffect">
+                                  <p:stCondLst>
+                                    <p:cond delay="0"/>
+                                  </p:stCondLst>
+                                  <p:childTnLst>
+                                    <p:set>
+                                      <p:cBhvr>
+                                        <p:cTn id="30" dur="1" fill="hold">
+                                          <p:stCondLst>
+                                            <p:cond delay="0"/>
+                                          </p:stCondLst>
+                                        </p:cTn>
+                                        <p:tgtEl>
+                                          <p:spTgt spid="6"/>
+                                        </p:tgtEl>
+                                        <p:attrNameLst>
+                                          <p:attrName>style.visibility</p:attrName>
+                                        </p:attrNameLst>
+                                      </p:cBhvr>
+                                      <p:to>
+                                        <p:strVal val="visible"/>
+                                      </p:to>
+                                    </p:set>
+                                    <p:anim calcmode="lin" valueType="num">
+                                      <p:cBhvr additive="base">
+                                        <p:cTn id="31" dur="500" fill="hold"/>
+                                        <p:tgtEl>
                                           <p:spTgt spid="6"/>
                                         </p:tgtEl>
                                         <p:attrNameLst>
@@ -6223,7 +6486,7 @@
                                     </p:anim>
                                     <p:anim calcmode="lin" valueType="num">
                                       <p:cBhvr additive="base">
-                                        <p:cTn id="20" dur="500" fill="hold"/>
+                                        <p:cTn id="32" dur="500" fill="hold"/>
                                         <p:tgtEl>
                                           <p:spTgt spid="6"/>
                                         </p:tgtEl>
@@ -6276,6 +6539,8 @@
     </p:tnLst>
     <p:bldLst>
       <p:bldP spid="6" grpId="0"/>
+      <p:bldP spid="5" grpId="0"/>
+      <p:bldP spid="7" grpId="0"/>
     </p:bldLst>
   </p:timing>
 </p:sld>
@@ -6621,16 +6886,7 @@
                 </a:solidFill>
                 <a:sym typeface="+mn-ea"/>
               </a:rPr>
-              <a:t>属性</a:t>
-            </a:r>
-            <a:r>
-              <a:rPr lang="zh-CN" altLang="en-US" sz="2000" dirty="0">
-                <a:solidFill>
-                  <a:schemeClr val="tx1"/>
-                </a:solidFill>
-                <a:sym typeface="+mn-ea"/>
-              </a:rPr>
-              <a:t> 用于阻止事件的默认行为</a:t>
+              <a:t>属性 用于阻止事件的默认行为</a:t>
             </a:r>
             <a:br>
               <a:rPr lang="zh-CN" altLang="en-US" sz="2000" dirty="0">
@@ -7162,6 +7418,82 @@
               </a:rPr>
               <a:t>https://www.imooc.com/learn/138</a:t>
             </a:r>
+            <a:endParaRPr lang="en-US" altLang="zh-CN" sz="3200" dirty="0">
+              <a:solidFill>
+                <a:schemeClr val="tx1"/>
+              </a:solidFill>
+              <a:sym typeface="+mn-ea"/>
+            </a:endParaRPr>
+          </a:p>
+          <a:p>
+            <a:pPr>
+              <a:lnSpc>
+                <a:spcPct val="150000"/>
+              </a:lnSpc>
+            </a:pPr>
+            <a:r>
+              <a:rPr lang="zh-CN" altLang="en-US" sz="3200" dirty="0">
+                <a:solidFill>
+                  <a:schemeClr val="tx1"/>
+                </a:solidFill>
+                <a:sym typeface="+mn-ea"/>
+              </a:rPr>
+              <a:t>安装</a:t>
+            </a:r>
+            <a:r>
+              <a:rPr lang="en-US" altLang="zh-CN" sz="3200" dirty="0">
+                <a:solidFill>
+                  <a:schemeClr val="tx1"/>
+                </a:solidFill>
+                <a:sym typeface="+mn-ea"/>
+              </a:rPr>
+              <a:t>Node.js</a:t>
+            </a:r>
+            <a:r>
+              <a:rPr lang="zh-CN" altLang="en-US" sz="3200" dirty="0">
+                <a:solidFill>
+                  <a:schemeClr val="tx1"/>
+                </a:solidFill>
+                <a:sym typeface="+mn-ea"/>
+              </a:rPr>
+              <a:t>（安装成功后，查看</a:t>
+            </a:r>
+            <a:r>
+              <a:rPr lang="en-US" altLang="zh-CN" sz="3200" dirty="0">
+                <a:solidFill>
+                  <a:schemeClr val="tx1"/>
+                </a:solidFill>
+                <a:sym typeface="+mn-ea"/>
+              </a:rPr>
+              <a:t>Node</a:t>
+            </a:r>
+            <a:r>
+              <a:rPr lang="zh-CN" altLang="en-US" sz="3200" dirty="0">
+                <a:solidFill>
+                  <a:schemeClr val="tx1"/>
+                </a:solidFill>
+                <a:sym typeface="+mn-ea"/>
+              </a:rPr>
+              <a:t>和</a:t>
+            </a:r>
+            <a:r>
+              <a:rPr lang="en-US" altLang="zh-CN" sz="3200" dirty="0">
+                <a:solidFill>
+                  <a:schemeClr val="tx1"/>
+                </a:solidFill>
+                <a:sym typeface="+mn-ea"/>
+              </a:rPr>
+              <a:t>npm</a:t>
+            </a:r>
+            <a:r>
+              <a:rPr lang="zh-CN" altLang="en-US" sz="3200" dirty="0">
+                <a:solidFill>
+                  <a:schemeClr val="tx1"/>
+                </a:solidFill>
+                <a:sym typeface="+mn-ea"/>
+              </a:rPr>
+              <a:t>的版本）</a:t>
+            </a:r>
             <a:br>
               <a:rPr lang="zh-CN" altLang="en-US" sz="3200" dirty="0">
                 <a:solidFill>
@@ -7338,6 +7670,109 @@
                                           <p:spTgt spid="2">
                                             <p:txEl>
                                               <p:pRg st="0" end="0"/>
+                                            </p:txEl>
+                                          </p:spTgt>
+                                        </p:tgtEl>
+                                        <p:attrNameLst>
+                                          <p:attrName>ppt_y</p:attrName>
+                                        </p:attrNameLst>
+                                      </p:cBhvr>
+                                      <p:tavLst>
+                                        <p:tav tm="0">
+                                          <p:val>
+                                            <p:strVal val="1+#ppt_h/2"/>
+                                          </p:val>
+                                        </p:tav>
+                                        <p:tav tm="100000">
+                                          <p:val>
+                                            <p:strVal val="#ppt_y"/>
+                                          </p:val>
+                                        </p:tav>
+                                      </p:tavLst>
+                                    </p:anim>
+                                  </p:childTnLst>
+                                </p:cTn>
+                              </p:par>
+                            </p:childTnLst>
+                          </p:cTn>
+                        </p:par>
+                      </p:childTnLst>
+                    </p:cTn>
+                  </p:par>
+                  <p:par>
+                    <p:cTn id="9" fill="hold">
+                      <p:stCondLst>
+                        <p:cond delay="indefinite"/>
+                      </p:stCondLst>
+                      <p:childTnLst>
+                        <p:par>
+                          <p:cTn id="10" fill="hold">
+                            <p:stCondLst>
+                              <p:cond delay="0"/>
+                            </p:stCondLst>
+                            <p:childTnLst>
+                              <p:par>
+                                <p:cTn id="11" presetID="2" presetClass="entr" presetSubtype="4" fill="hold" nodeType="clickEffect">
+                                  <p:stCondLst>
+                                    <p:cond delay="0"/>
+                                  </p:stCondLst>
+                                  <p:childTnLst>
+                                    <p:set>
+                                      <p:cBhvr>
+                                        <p:cTn id="12" dur="1" fill="hold">
+                                          <p:stCondLst>
+                                            <p:cond delay="0"/>
+                                          </p:stCondLst>
+                                        </p:cTn>
+                                        <p:tgtEl>
+                                          <p:spTgt spid="2">
+                                            <p:txEl>
+                                              <p:pRg st="1" end="1"/>
+                                            </p:txEl>
+                                          </p:spTgt>
+                                        </p:tgtEl>
+                                        <p:attrNameLst>
+                                          <p:attrName>style.visibility</p:attrName>
+                                        </p:attrNameLst>
+                                      </p:cBhvr>
+                                      <p:to>
+                                        <p:strVal val="visible"/>
+                                      </p:to>
+                                    </p:set>
+                                    <p:anim calcmode="lin" valueType="num">
+                                      <p:cBhvr additive="base">
+                                        <p:cTn id="13" dur="500" fill="hold"/>
+                                        <p:tgtEl>
+                                          <p:spTgt spid="2">
+                                            <p:txEl>
+                                              <p:pRg st="1" end="1"/>
+                                            </p:txEl>
+                                          </p:spTgt>
+                                        </p:tgtEl>
+                                        <p:attrNameLst>
+                                          <p:attrName>ppt_x</p:attrName>
+                                        </p:attrNameLst>
+                                      </p:cBhvr>
+                                      <p:tavLst>
+                                        <p:tav tm="0">
+                                          <p:val>
+                                            <p:strVal val="#ppt_x"/>
+                                          </p:val>
+                                        </p:tav>
+                                        <p:tav tm="100000">
+                                          <p:val>
+                                            <p:strVal val="#ppt_x"/>
+                                          </p:val>
+                                        </p:tav>
+                                      </p:tavLst>
+                                    </p:anim>
+                                    <p:anim calcmode="lin" valueType="num">
+                                      <p:cBhvr additive="base">
+                                        <p:cTn id="14" dur="500" fill="hold"/>
+                                        <p:tgtEl>
+                                          <p:spTgt spid="2">
+                                            <p:txEl>
+                                              <p:pRg st="1" end="1"/>
                                             </p:txEl>
                                           </p:spTgt>
                                         </p:tgtEl>
@@ -11525,16 +11960,7 @@
                 </a:solidFill>
                 <a:sym typeface="+mn-ea"/>
               </a:rPr>
-              <a:t>级事响应件处理更强，</a:t>
-            </a:r>
-            <a:r>
-              <a:rPr lang="zh-CN" altLang="en-US" sz="2000" dirty="0">
-                <a:solidFill>
-                  <a:schemeClr val="tx1"/>
-                </a:solidFill>
-                <a:sym typeface="+mn-ea"/>
-              </a:rPr>
-              <a:t>可以重复，支持自定义事件）</a:t>
+              <a:t>级事响应件处理更强，可以重复，支持自定义事件）</a:t>
             </a:r>
             <a:endParaRPr lang="zh-CN" altLang="en-US" sz="2000" dirty="0">
               <a:solidFill>
@@ -12245,16 +12671,7 @@
                 </a:solidFill>
                 <a:sym typeface="+mn-ea"/>
               </a:rPr>
-              <a:t>一些</a:t>
-            </a:r>
-            <a:r>
-              <a:rPr lang="zh-CN" altLang="en-US" sz="2000" dirty="0">
-                <a:solidFill>
-                  <a:schemeClr val="tx1"/>
-                </a:solidFill>
-                <a:sym typeface="+mn-ea"/>
-              </a:rPr>
-              <a:t>更特殊的浏览器可能两者都不支持</a:t>
+              <a:t>一些更特殊的浏览器可能两者都不支持</a:t>
             </a:r>
             <a:br>
               <a:rPr lang="zh-CN" altLang="en-US" sz="3200" dirty="0">

--- a/课程PPT/25.事件及事件流.pptx
+++ b/课程PPT/25.事件及事件流.pptx
@@ -12770,7 +12770,7 @@
         </p:blipFill>
         <p:spPr>
           <a:xfrm>
-            <a:off x="1230630" y="3039110"/>
+            <a:off x="1087120" y="3039110"/>
             <a:ext cx="8738235" cy="3477260"/>
           </a:xfrm>
           <a:prstGeom prst="rect">
@@ -12786,8 +12786,8 @@
         </p:nvSpPr>
         <p:spPr>
           <a:xfrm>
-            <a:off x="8910955" y="4204335"/>
-            <a:ext cx="3070225" cy="2553335"/>
+            <a:off x="6615430" y="4978400"/>
+            <a:ext cx="5093970" cy="1753235"/>
           </a:xfrm>
           <a:prstGeom prst="rect">
             <a:avLst/>
@@ -12800,14 +12800,14 @@
           </a:bodyPr>
           <a:p>
             <a:r>
-              <a:rPr lang="zh-CN" altLang="en-US" sz="2000">
-                <a:solidFill>
-                  <a:schemeClr val="tx1"/>
-                </a:solidFill>
-              </a:rPr>
-              <a:t>去除事件监听兼容性：</a:t>
-            </a:r>
-            <a:endParaRPr lang="zh-CN" altLang="en-US" sz="2000">
+              <a:rPr lang="zh-CN" altLang="en-US" sz="1800">
+                <a:solidFill>
+                  <a:schemeClr val="tx1"/>
+                </a:solidFill>
+              </a:rPr>
+              <a:t>解决去除事件监听兼容性问题，与解决添加事件监听兼容性问题的方法类似：</a:t>
+            </a:r>
+            <a:endParaRPr lang="zh-CN" altLang="en-US" sz="1800">
               <a:solidFill>
                 <a:schemeClr val="tx1"/>
               </a:solidFill>
@@ -12815,81 +12815,89 @@
           </a:p>
           <a:p>
             <a:r>
-              <a:rPr lang="zh-CN" altLang="en-US" sz="2000">
-                <a:solidFill>
-                  <a:schemeClr val="tx1"/>
-                </a:solidFill>
+              <a:rPr lang="zh-CN" altLang="en-US" sz="1800" dirty="0">
+                <a:sym typeface="+mn-ea"/>
+              </a:rPr>
+              <a:t>写一个可写一个</a:t>
+            </a:r>
+            <a:r>
+              <a:rPr lang="en-US" altLang="zh-CN" sz="1800" dirty="0">
+                <a:sym typeface="+mn-ea"/>
+              </a:rPr>
+              <a:t>removeEvent</a:t>
+            </a:r>
+            <a:r>
+              <a:rPr lang="zh-CN" altLang="en-US" sz="1800" dirty="0">
+                <a:sym typeface="+mn-ea"/>
+              </a:rPr>
+              <a:t>函数</a:t>
+            </a:r>
+            <a:r>
+              <a:rPr lang="zh-CN" altLang="en-US" sz="1800" dirty="0">
+                <a:sym typeface="+mn-ea"/>
+              </a:rPr>
+              <a:t>，然后</a:t>
+            </a:r>
+            <a:br>
+              <a:rPr lang="zh-CN" altLang="en-US" sz="1800" dirty="0">
+                <a:sym typeface="+mn-ea"/>
+              </a:rPr>
+            </a:br>
+            <a:r>
+              <a:rPr lang="zh-CN" altLang="en-US" sz="1800" dirty="0">
+                <a:sym typeface="+mn-ea"/>
               </a:rPr>
               <a:t>将</a:t>
             </a:r>
             <a:r>
-              <a:rPr lang="en-US" altLang="zh-CN" sz="2000" dirty="0">
-                <a:solidFill>
-                  <a:schemeClr val="tx1"/>
-                </a:solidFill>
-                <a:sym typeface="+mn-ea"/>
-              </a:rPr>
-              <a:t>addEve</a:t>
-            </a:r>
-            <a:r>
-              <a:rPr lang="en-US" altLang="zh-CN" sz="2000" dirty="0">
-                <a:sym typeface="+mn-ea"/>
-              </a:rPr>
-              <a:t>ntListener</a:t>
-            </a:r>
-            <a:r>
-              <a:rPr lang="zh-CN" altLang="en-US" sz="2000" dirty="0">
+              <a:rPr lang="en-US" altLang="zh-CN" sz="1800" dirty="0">
+                <a:sym typeface="+mn-ea"/>
+              </a:rPr>
+              <a:t>addEventListener</a:t>
+            </a:r>
+            <a:r>
+              <a:rPr lang="zh-CN" altLang="en-US" sz="1800" dirty="0">
                 <a:sym typeface="+mn-ea"/>
               </a:rPr>
               <a:t>改为</a:t>
             </a:r>
             <a:r>
-              <a:rPr lang="en-US" altLang="zh-CN" sz="2000" dirty="0">
+              <a:rPr lang="en-US" altLang="zh-CN" sz="1800" dirty="0">
                 <a:sym typeface="+mn-ea"/>
               </a:rPr>
               <a:t>removeEventListener</a:t>
             </a:r>
-            <a:endParaRPr lang="en-US" altLang="zh-CN" sz="2000" dirty="0">
+            <a:endParaRPr lang="en-US" altLang="zh-CN" sz="1800" dirty="0">
               <a:sym typeface="+mn-ea"/>
             </a:endParaRPr>
           </a:p>
           <a:p>
-            <a:endParaRPr lang="en-US" altLang="zh-CN" sz="2000" dirty="0">
-              <a:sym typeface="+mn-ea"/>
-            </a:endParaRPr>
-          </a:p>
-          <a:p>
-            <a:r>
-              <a:rPr lang="zh-CN" altLang="en-US" sz="2000" dirty="0">
+            <a:r>
+              <a:rPr lang="zh-CN" altLang="en-US" sz="1800" dirty="0">
                 <a:sym typeface="+mn-ea"/>
               </a:rPr>
               <a:t>将</a:t>
             </a:r>
             <a:r>
-              <a:rPr lang="en-US" altLang="zh-CN" sz="2000" dirty="0">
+              <a:rPr lang="en-US" altLang="zh-CN" sz="1800" dirty="0">
                 <a:sym typeface="+mn-ea"/>
               </a:rPr>
               <a:t>attachEvent</a:t>
             </a:r>
             <a:r>
-              <a:rPr lang="zh-CN" altLang="en-US" sz="2000" dirty="0">
+              <a:rPr lang="zh-CN" altLang="en-US" sz="1800" dirty="0">
                 <a:sym typeface="+mn-ea"/>
               </a:rPr>
               <a:t>改为</a:t>
             </a:r>
             <a:r>
-              <a:rPr lang="en-US" altLang="zh-CN" sz="2000" dirty="0">
+              <a:rPr lang="en-US" altLang="zh-CN" sz="1800" dirty="0">
                 <a:sym typeface="+mn-ea"/>
               </a:rPr>
               <a:t>detachEvent</a:t>
             </a:r>
-            <a:endParaRPr lang="en-US" altLang="zh-CN" sz="2000" dirty="0">
-              <a:sym typeface="+mn-ea"/>
-            </a:endParaRPr>
-          </a:p>
-          <a:p>
             <a:br>
-              <a:rPr lang="zh-CN" altLang="en-US" sz="2000" dirty="0">
+              <a:rPr lang="zh-CN" altLang="en-US" sz="1800" dirty="0">
                 <a:solidFill>
                   <a:srgbClr val="FF0000"/>
                 </a:solidFill>
@@ -12897,7 +12905,7 @@
               </a:rPr>
             </a:br>
             <a:r>
-              <a:rPr lang="zh-CN" altLang="en-US" sz="2000" dirty="0">
+              <a:rPr lang="zh-CN" altLang="en-US" sz="1800" dirty="0">
                 <a:solidFill>
                   <a:srgbClr val="FF0000"/>
                 </a:solidFill>
@@ -12906,7 +12914,7 @@
               <a:t>思考：最后</a:t>
             </a:r>
             <a:r>
-              <a:rPr lang="en-US" altLang="zh-CN" sz="2000" dirty="0">
+              <a:rPr lang="en-US" altLang="zh-CN" sz="1800" dirty="0">
                 <a:solidFill>
                   <a:srgbClr val="FF0000"/>
                 </a:solidFill>
@@ -12915,7 +12923,7 @@
               <a:t>else</a:t>
             </a:r>
             <a:r>
-              <a:rPr lang="zh-CN" altLang="en-US" sz="2000" dirty="0">
+              <a:rPr lang="zh-CN" altLang="en-US" sz="1800" dirty="0">
                 <a:solidFill>
                   <a:srgbClr val="FF0000"/>
                 </a:solidFill>
@@ -12923,7 +12931,7 @@
               </a:rPr>
               <a:t>里怎么改</a:t>
             </a:r>
-            <a:endParaRPr lang="zh-CN" altLang="en-US" sz="2000" dirty="0">
+            <a:endParaRPr lang="zh-CN" altLang="en-US" sz="1800" dirty="0">
               <a:solidFill>
                 <a:srgbClr val="FF0000"/>
               </a:solidFill>

--- a/课程PPT/25.事件及事件流.pptx
+++ b/课程PPT/25.事件及事件流.pptx
@@ -6808,7 +6808,34 @@
                 </a:solidFill>
                 <a:sym typeface="+mn-ea"/>
               </a:rPr>
-              <a:t>事件对象兼容性问题</a:t>
+              <a:t>事件对象兼容性问题（对于老</a:t>
+            </a:r>
+            <a:r>
+              <a:rPr lang="en-US" altLang="zh-CN" sz="3200" dirty="0">
+                <a:solidFill>
+                  <a:schemeClr val="tx1"/>
+                </a:solidFill>
+                <a:sym typeface="+mn-ea"/>
+              </a:rPr>
+              <a:t>IE</a:t>
+            </a:r>
+            <a:r>
+              <a:rPr lang="zh-CN" altLang="en-US" sz="3200" dirty="0">
+                <a:solidFill>
+                  <a:schemeClr val="tx1"/>
+                </a:solidFill>
+                <a:sym typeface="+mn-ea"/>
+              </a:rPr>
+              <a:t>浏览器</a:t>
+            </a:r>
+            <a:r>
+              <a:rPr lang="zh-CN" altLang="en-US" sz="3200" dirty="0">
+                <a:solidFill>
+                  <a:schemeClr val="tx1"/>
+                </a:solidFill>
+                <a:sym typeface="+mn-ea"/>
+              </a:rPr>
+              <a:t>）</a:t>
             </a:r>
             <a:br>
               <a:rPr lang="zh-CN" altLang="en-US" sz="3200" dirty="0">
@@ -12830,13 +12857,7 @@
               <a:rPr lang="zh-CN" altLang="en-US" sz="1800" dirty="0">
                 <a:sym typeface="+mn-ea"/>
               </a:rPr>
-              <a:t>函数</a:t>
-            </a:r>
-            <a:r>
-              <a:rPr lang="zh-CN" altLang="en-US" sz="1800" dirty="0">
-                <a:sym typeface="+mn-ea"/>
-              </a:rPr>
-              <a:t>，然后</a:t>
+              <a:t>函数，然后</a:t>
             </a:r>
             <a:br>
               <a:rPr lang="zh-CN" altLang="en-US" sz="1800" dirty="0">
